--- a/Poster_AGM.pptx
+++ b/Poster_AGM.pptx
@@ -170,7 +170,7 @@
 <file path=ppt/revisionInfo.xml><?xml version="1.0" encoding="utf-8"?>
 <p1510:revInfo xmlns:a="http://schemas.openxmlformats.org/drawingml/2006/main" xmlns:r="http://schemas.openxmlformats.org/officeDocument/2006/relationships" xmlns:p1510="http://schemas.microsoft.com/office/powerpoint/2015/10/main">
   <p1510:revLst>
-    <p1510:client id="{3EAA2294-5E53-4614-A26F-DAD7DDBF2A4F}" v="458" dt="2020-10-05T10:07:58.138"/>
+    <p1510:client id="{3EAA2294-5E53-4614-A26F-DAD7DDBF2A4F}" v="460" dt="2020-10-11T09:59:00.583"/>
   </p1510:revLst>
 </p1510:revInfo>
 </file>
@@ -180,18 +180,18 @@
   <pc:docChgLst>
     <pc:chgData name="Alfonso Garcia-Miguel" userId="3d388feead6e4416" providerId="LiveId" clId="{3EAA2294-5E53-4614-A26F-DAD7DDBF2A4F}"/>
     <pc:docChg chg="undo custSel modSld">
-      <pc:chgData name="Alfonso Garcia-Miguel" userId="3d388feead6e4416" providerId="LiveId" clId="{3EAA2294-5E53-4614-A26F-DAD7DDBF2A4F}" dt="2020-10-05T10:13:11" v="4198" actId="1036"/>
+      <pc:chgData name="Alfonso Garcia-Miguel" userId="3d388feead6e4416" providerId="LiveId" clId="{3EAA2294-5E53-4614-A26F-DAD7DDBF2A4F}" dt="2020-10-11T10:12:24.141" v="4664" actId="313"/>
       <pc:docMkLst>
         <pc:docMk/>
       </pc:docMkLst>
       <pc:sldChg chg="addSp delSp modSp mod">
-        <pc:chgData name="Alfonso Garcia-Miguel" userId="3d388feead6e4416" providerId="LiveId" clId="{3EAA2294-5E53-4614-A26F-DAD7DDBF2A4F}" dt="2020-10-05T10:13:11" v="4198" actId="1036"/>
+        <pc:chgData name="Alfonso Garcia-Miguel" userId="3d388feead6e4416" providerId="LiveId" clId="{3EAA2294-5E53-4614-A26F-DAD7DDBF2A4F}" dt="2020-10-11T10:12:24.141" v="4664" actId="313"/>
         <pc:sldMkLst>
           <pc:docMk/>
           <pc:sldMk cId="0" sldId="256"/>
         </pc:sldMkLst>
         <pc:spChg chg="add mod">
-          <ac:chgData name="Alfonso Garcia-Miguel" userId="3d388feead6e4416" providerId="LiveId" clId="{3EAA2294-5E53-4614-A26F-DAD7DDBF2A4F}" dt="2020-10-05T10:07:50.768" v="3419" actId="20577"/>
+          <ac:chgData name="Alfonso Garcia-Miguel" userId="3d388feead6e4416" providerId="LiveId" clId="{3EAA2294-5E53-4614-A26F-DAD7DDBF2A4F}" dt="2020-10-11T10:12:24.141" v="4664" actId="313"/>
           <ac:spMkLst>
             <pc:docMk/>
             <pc:sldMk cId="0" sldId="256"/>
@@ -239,7 +239,7 @@
           </ac:spMkLst>
         </pc:spChg>
         <pc:spChg chg="mod">
-          <ac:chgData name="Alfonso Garcia-Miguel" userId="3d388feead6e4416" providerId="LiveId" clId="{3EAA2294-5E53-4614-A26F-DAD7DDBF2A4F}" dt="2020-10-04T09:12:37.546" v="1457" actId="20577"/>
+          <ac:chgData name="Alfonso Garcia-Miguel" userId="3d388feead6e4416" providerId="LiveId" clId="{3EAA2294-5E53-4614-A26F-DAD7DDBF2A4F}" dt="2020-10-11T10:01:13.532" v="4404" actId="6549"/>
           <ac:spMkLst>
             <pc:docMk/>
             <pc:sldMk cId="0" sldId="256"/>
@@ -247,7 +247,7 @@
           </ac:spMkLst>
         </pc:spChg>
         <pc:spChg chg="mod">
-          <ac:chgData name="Alfonso Garcia-Miguel" userId="3d388feead6e4416" providerId="LiveId" clId="{3EAA2294-5E53-4614-A26F-DAD7DDBF2A4F}" dt="2020-10-04T08:41:41.026" v="88" actId="1076"/>
+          <ac:chgData name="Alfonso Garcia-Miguel" userId="3d388feead6e4416" providerId="LiveId" clId="{3EAA2294-5E53-4614-A26F-DAD7DDBF2A4F}" dt="2020-10-10T10:28:21.994" v="4200" actId="20577"/>
           <ac:spMkLst>
             <pc:docMk/>
             <pc:sldMk cId="0" sldId="256"/>
@@ -271,7 +271,7 @@
           </ac:spMkLst>
         </pc:spChg>
         <pc:spChg chg="mod">
-          <ac:chgData name="Alfonso Garcia-Miguel" userId="3d388feead6e4416" providerId="LiveId" clId="{3EAA2294-5E53-4614-A26F-DAD7DDBF2A4F}" dt="2020-10-04T08:57:06.030" v="1037" actId="20577"/>
+          <ac:chgData name="Alfonso Garcia-Miguel" userId="3d388feead6e4416" providerId="LiveId" clId="{3EAA2294-5E53-4614-A26F-DAD7DDBF2A4F}" dt="2020-10-11T09:54:24.529" v="4227" actId="20577"/>
           <ac:spMkLst>
             <pc:docMk/>
             <pc:sldMk cId="0" sldId="256"/>
@@ -292,6 +292,14 @@
             <pc:docMk/>
             <pc:sldMk cId="0" sldId="256"/>
             <ac:picMk id="4" creationId="{9A8E1ADD-9D64-4AAE-AB40-7FB3D9E8B649}"/>
+          </ac:picMkLst>
+        </pc:picChg>
+        <pc:picChg chg="add mod">
+          <ac:chgData name="Alfonso Garcia-Miguel" userId="3d388feead6e4416" providerId="LiveId" clId="{3EAA2294-5E53-4614-A26F-DAD7DDBF2A4F}" dt="2020-10-11T10:07:40.964" v="4410" actId="14100"/>
+          <ac:picMkLst>
+            <pc:docMk/>
+            <pc:sldMk cId="0" sldId="256"/>
+            <ac:picMk id="5" creationId="{4FFEA322-7EE4-41C7-8483-EFE09C1C2956}"/>
           </ac:picMkLst>
         </pc:picChg>
         <pc:picChg chg="add mod">
@@ -318,8 +326,8 @@
             <ac:picMk id="16" creationId="{3B3DBAD0-D004-4CD8-A3E0-49151EAA556D}"/>
           </ac:picMkLst>
         </pc:picChg>
-        <pc:picChg chg="add mod">
-          <ac:chgData name="Alfonso Garcia-Miguel" userId="3d388feead6e4416" providerId="LiveId" clId="{3EAA2294-5E53-4614-A26F-DAD7DDBF2A4F}" dt="2020-10-04T09:41:33.910" v="2351" actId="14100"/>
+        <pc:picChg chg="add del mod">
+          <ac:chgData name="Alfonso Garcia-Miguel" userId="3d388feead6e4416" providerId="LiveId" clId="{3EAA2294-5E53-4614-A26F-DAD7DDBF2A4F}" dt="2020-10-11T10:07:24.478" v="4407" actId="478"/>
           <ac:picMkLst>
             <pc:docMk/>
             <pc:sldMk cId="0" sldId="256"/>
@@ -327,7 +335,7 @@
           </ac:picMkLst>
         </pc:picChg>
         <pc:picChg chg="add mod">
-          <ac:chgData name="Alfonso Garcia-Miguel" userId="3d388feead6e4416" providerId="LiveId" clId="{3EAA2294-5E53-4614-A26F-DAD7DDBF2A4F}" dt="2020-10-04T10:04:13.164" v="2360" actId="1076"/>
+          <ac:chgData name="Alfonso Garcia-Miguel" userId="3d388feead6e4416" providerId="LiveId" clId="{3EAA2294-5E53-4614-A26F-DAD7DDBF2A4F}" dt="2020-10-11T10:07:43.356" v="4411" actId="14100"/>
           <ac:picMkLst>
             <pc:docMk/>
             <pc:sldMk cId="0" sldId="256"/>
@@ -364,6 +372,14 @@
             <pc:docMk/>
             <pc:sldMk cId="0" sldId="256"/>
             <ac:picMk id="38" creationId="{ABD4C11E-68EA-44A6-ACFA-28809770926E}"/>
+          </ac:picMkLst>
+        </pc:picChg>
+        <pc:picChg chg="add mod modCrop">
+          <ac:chgData name="Alfonso Garcia-Miguel" userId="3d388feead6e4416" providerId="LiveId" clId="{3EAA2294-5E53-4614-A26F-DAD7DDBF2A4F}" dt="2020-10-11T10:01:27.441" v="4406" actId="14100"/>
+          <ac:picMkLst>
+            <pc:docMk/>
+            <pc:sldMk cId="0" sldId="256"/>
+            <ac:picMk id="40" creationId="{7A3004AC-8A51-4264-A107-2620E4824B79}"/>
           </ac:picMkLst>
         </pc:picChg>
         <pc:picChg chg="add del mod">
@@ -415,7 +431,7 @@
           </ac:picMkLst>
         </pc:picChg>
         <pc:picChg chg="add mod">
-          <ac:chgData name="Alfonso Garcia-Miguel" userId="3d388feead6e4416" providerId="LiveId" clId="{3EAA2294-5E53-4614-A26F-DAD7DDBF2A4F}" dt="2020-10-04T10:43:23.601" v="2993" actId="14100"/>
+          <ac:chgData name="Alfonso Garcia-Miguel" userId="3d388feead6e4416" providerId="LiveId" clId="{3EAA2294-5E53-4614-A26F-DAD7DDBF2A4F}" dt="2020-10-11T10:09:34.195" v="4414" actId="1035"/>
           <ac:picMkLst>
             <pc:docMk/>
             <pc:sldMk cId="0" sldId="256"/>
@@ -4788,12 +4804,20 @@
               <a:buNone/>
             </a:pPr>
             <a:r>
+              <a:rPr lang="de-DE" altLang="de-DE" sz="6000" b="1">
+                <a:solidFill>
+                  <a:schemeClr val="tx2"/>
+                </a:solidFill>
+              </a:rPr>
+              <a:t>SharePoint </a:t>
+            </a:r>
+            <a:r>
               <a:rPr lang="de-DE" altLang="de-DE" sz="6000" b="1" dirty="0">
                 <a:solidFill>
                   <a:schemeClr val="tx2"/>
                 </a:solidFill>
               </a:rPr>
-              <a:t>Sharepoint platform</a:t>
+              <a:t>platform</a:t>
             </a:r>
             <a:endParaRPr lang="de-DE" altLang="de-DE" sz="6000" b="1" dirty="0"/>
           </a:p>
@@ -5392,7 +5416,7 @@
             </a:pPr>
             <a:r>
               <a:rPr lang="en-US" altLang="de-DE" sz="3600" dirty="0"/>
-              <a:t>SharePoint has been installed in 2014 as the documentary repository of the institution to promote collaboration among teams.</a:t>
+              <a:t>SharePoint has been deployed as the documentary repository of the institution to promote collaboration among teams.</a:t>
             </a:r>
           </a:p>
           <a:p>
@@ -5405,7 +5429,7 @@
             </a:pPr>
             <a:r>
               <a:rPr lang="en-US" altLang="de-DE" sz="3600" dirty="0"/>
-              <a:t>The original intention is that teams not only store in the platform their documents, but that they create and update them there.</a:t>
+              <a:t>The original intention is that staff not only store their documents in the platform, but that they create and update them there.</a:t>
             </a:r>
           </a:p>
           <a:p>
@@ -5418,7 +5442,7 @@
             </a:pPr>
             <a:r>
               <a:rPr lang="en-US" altLang="de-DE" sz="3600" dirty="0"/>
-              <a:t>Collaboration can be measured through “Version” of document: Version number indicates the times a document has been updated</a:t>
+              <a:t>Collaboration can be measured through “Version” of document: Version number indicates the times a document has been updated.</a:t>
             </a:r>
           </a:p>
           <a:p>
@@ -5431,7 +5455,7 @@
             </a:pPr>
             <a:r>
               <a:rPr lang="en-US" altLang="de-DE" sz="3600" dirty="0"/>
-              <a:t>The tool is used by around 200 services worldwide and contains today &gt;2 Mio. Documents</a:t>
+              <a:t>The tool is used by around 200 services worldwide and contains today &gt;2 Mio. documents</a:t>
             </a:r>
           </a:p>
           <a:p>
@@ -6140,7 +6164,7 @@
         <p:spPr bwMode="auto">
           <a:xfrm>
             <a:off x="1386521" y="10819657"/>
-            <a:ext cx="28213908" cy="4014085"/>
+            <a:ext cx="27686953" cy="4014085"/>
           </a:xfrm>
           <a:prstGeom prst="rect">
             <a:avLst/>
@@ -6319,49 +6343,38 @@
             </a:pPr>
             <a:r>
               <a:rPr lang="en-US" altLang="de-DE" sz="3600" dirty="0"/>
-              <a:t>Data has been extracted through the native </a:t>
+              <a:t>Data has been extracted in excel through the SharePoint extraction tool, covering 5 different services representing the three different natures of work (operational, administrative and political). The sample contains around 200K documents and needs heavy cleaning.</a:t>
+            </a:r>
+          </a:p>
+          <a:p>
+            <a:pPr>
+              <a:spcBef>
+                <a:spcPct val="20000"/>
+              </a:spcBef>
+              <a:buFontTx/>
+              <a:buNone/>
+            </a:pPr>
+            <a:endParaRPr lang="en-US" altLang="de-DE" sz="3600" dirty="0"/>
+          </a:p>
+          <a:p>
+            <a:pPr>
+              <a:spcBef>
+                <a:spcPct val="20000"/>
+              </a:spcBef>
+              <a:buFontTx/>
+              <a:buNone/>
+            </a:pPr>
+            <a:r>
+              <a:rPr lang="en-US" altLang="de-DE" sz="3600" dirty="0"/>
+              <a:t>The data set has 8 </a:t>
             </a:r>
             <a:r>
               <a:rPr lang="en-US" altLang="de-DE" sz="3600" dirty="0" err="1"/>
-              <a:t>Sharepoint</a:t>
+              <a:t>colums</a:t>
             </a:r>
             <a:r>
               <a:rPr lang="en-US" altLang="de-DE" sz="3600" dirty="0"/>
-              <a:t> extraction tool, </a:t>
-            </a:r>
-            <a:r>
-              <a:rPr lang="en-US" altLang="de-DE" sz="3600" dirty="0" err="1"/>
-              <a:t>sharegate</a:t>
-            </a:r>
-            <a:r>
-              <a:rPr lang="en-US" altLang="de-DE" sz="3600" dirty="0"/>
-              <a:t>, which produces an excel file</a:t>
-            </a:r>
-          </a:p>
-          <a:p>
-            <a:pPr>
-              <a:spcBef>
-                <a:spcPct val="20000"/>
-              </a:spcBef>
-              <a:buFontTx/>
-              <a:buNone/>
-            </a:pPr>
-            <a:r>
-              <a:rPr lang="en-US" altLang="de-DE" sz="3600" dirty="0"/>
-              <a:t>A sample of 5 different services has been selected to cover the three different natures: Two operational, two administrative and one political. In total, the sample contains around 200K documents. (10% of the total population)</a:t>
-            </a:r>
-          </a:p>
-          <a:p>
-            <a:pPr>
-              <a:spcBef>
-                <a:spcPct val="20000"/>
-              </a:spcBef>
-              <a:buFontTx/>
-              <a:buNone/>
-            </a:pPr>
-            <a:r>
-              <a:rPr lang="en-US" altLang="de-DE" sz="3600" dirty="0"/>
-              <a:t>Data needs heavy cleaning before usage.</a:t>
+              <a:t>:</a:t>
             </a:r>
             <a:endParaRPr lang="en-US" altLang="de-DE" sz="3600" b="1" i="1" u="sng" dirty="0"/>
           </a:p>
@@ -6765,7 +6778,7 @@
         <p:spPr bwMode="auto">
           <a:xfrm>
             <a:off x="15149780" y="15256594"/>
-            <a:ext cx="13423340" cy="27663636"/>
+            <a:ext cx="13423340" cy="30766024"/>
           </a:xfrm>
           <a:prstGeom prst="rect">
             <a:avLst/>
@@ -7282,6 +7295,39 @@
               <a:buNone/>
             </a:pPr>
             <a:endParaRPr lang="en-US" altLang="de-DE" sz="3600" b="1" dirty="0"/>
+          </a:p>
+          <a:p>
+            <a:pPr marL="571500" indent="-571500">
+              <a:spcBef>
+                <a:spcPct val="20000"/>
+              </a:spcBef>
+            </a:pPr>
+            <a:r>
+              <a:rPr lang="en-US" altLang="de-DE" sz="3600" dirty="0"/>
+              <a:t>No real collaboration. (~20% of docs version 3 or above)</a:t>
+            </a:r>
+          </a:p>
+          <a:p>
+            <a:pPr marL="571500" indent="-571500">
+              <a:spcBef>
+                <a:spcPct val="20000"/>
+              </a:spcBef>
+            </a:pPr>
+            <a:r>
+              <a:rPr lang="en-US" altLang="de-DE" sz="3600" dirty="0"/>
+              <a:t>Correlation between version and total size shows that updates are corrections (size remain stable) and not additions</a:t>
+            </a:r>
+          </a:p>
+          <a:p>
+            <a:pPr marL="571500" indent="-571500">
+              <a:spcBef>
+                <a:spcPct val="20000"/>
+              </a:spcBef>
+            </a:pPr>
+            <a:r>
+              <a:rPr lang="en-US" altLang="de-DE" sz="3600" dirty="0"/>
+              <a:t>Services and file types can be analyzed separately</a:t>
+            </a:r>
           </a:p>
           <a:p>
             <a:pPr>
@@ -7659,10 +7705,10 @@
       </p:sp>
       <p:pic>
         <p:nvPicPr>
-          <p:cNvPr id="24" name="Imagen 23">
+          <p:cNvPr id="26" name="Imagen 25">
             <a:extLst>
               <a:ext uri="{FF2B5EF4-FFF2-40B4-BE49-F238E27FC236}">
-                <a16:creationId xmlns:a16="http://schemas.microsoft.com/office/drawing/2014/main" id="{515E6E26-DB7E-4B57-A283-A745A7244A2C}"/>
+                <a16:creationId xmlns:a16="http://schemas.microsoft.com/office/drawing/2014/main" id="{B75F7F8C-997E-4643-B8A4-4CAE7D2B91D0}"/>
               </a:ext>
             </a:extLst>
           </p:cNvPr>
@@ -7679,38 +7725,8 @@
         </p:blipFill>
         <p:spPr>
           <a:xfrm>
-            <a:off x="18769971" y="15268667"/>
-            <a:ext cx="8292746" cy="5218417"/>
-          </a:xfrm>
-          <a:prstGeom prst="rect">
-            <a:avLst/>
-          </a:prstGeom>
-        </p:spPr>
-      </p:pic>
-      <p:pic>
-        <p:nvPicPr>
-          <p:cNvPr id="26" name="Imagen 25">
-            <a:extLst>
-              <a:ext uri="{FF2B5EF4-FFF2-40B4-BE49-F238E27FC236}">
-                <a16:creationId xmlns:a16="http://schemas.microsoft.com/office/drawing/2014/main" id="{B75F7F8C-997E-4643-B8A4-4CAE7D2B91D0}"/>
-              </a:ext>
-            </a:extLst>
-          </p:cNvPr>
-          <p:cNvPicPr>
-            <a:picLocks noChangeAspect="1"/>
-          </p:cNvPicPr>
-          <p:nvPr/>
-        </p:nvPicPr>
-        <p:blipFill>
-          <a:blip r:embed="rId11"/>
-          <a:stretch>
-            <a:fillRect/>
-          </a:stretch>
-        </p:blipFill>
-        <p:spPr>
-          <a:xfrm>
-            <a:off x="18769971" y="21185300"/>
-            <a:ext cx="7812868" cy="4734154"/>
+            <a:off x="18769971" y="21045698"/>
+            <a:ext cx="8043256" cy="4873756"/>
           </a:xfrm>
           <a:prstGeom prst="rect">
             <a:avLst/>
@@ -7732,7 +7748,7 @@
           <p:nvPr/>
         </p:nvPicPr>
         <p:blipFill>
-          <a:blip r:embed="rId12"/>
+          <a:blip r:embed="rId11"/>
           <a:stretch>
             <a:fillRect/>
           </a:stretch>
@@ -7762,7 +7778,7 @@
           <p:nvPr/>
         </p:nvPicPr>
         <p:blipFill>
-          <a:blip r:embed="rId13"/>
+          <a:blip r:embed="rId12"/>
           <a:stretch>
             <a:fillRect/>
           </a:stretch>
@@ -7792,7 +7808,7 @@
           <p:nvPr/>
         </p:nvPicPr>
         <p:blipFill>
-          <a:blip r:embed="rId14"/>
+          <a:blip r:embed="rId13"/>
           <a:stretch>
             <a:fillRect/>
           </a:stretch>
@@ -7822,7 +7838,7 @@
           <p:nvPr/>
         </p:nvPicPr>
         <p:blipFill>
-          <a:blip r:embed="rId15"/>
+          <a:blip r:embed="rId14"/>
           <a:stretch>
             <a:fillRect/>
           </a:stretch>
@@ -7852,14 +7868,14 @@
           <p:nvPr/>
         </p:nvPicPr>
         <p:blipFill>
-          <a:blip r:embed="rId16"/>
+          <a:blip r:embed="rId15"/>
           <a:stretch>
             <a:fillRect/>
           </a:stretch>
         </p:blipFill>
         <p:spPr>
           <a:xfrm>
-            <a:off x="1624967" y="31095071"/>
+            <a:off x="1624967" y="30981897"/>
             <a:ext cx="11333354" cy="615639"/>
           </a:xfrm>
           <a:prstGeom prst="rect">
@@ -7882,7 +7898,7 @@
           <p:nvPr/>
         </p:nvPicPr>
         <p:blipFill>
-          <a:blip r:embed="rId17"/>
+          <a:blip r:embed="rId16"/>
           <a:stretch>
             <a:fillRect/>
           </a:stretch>
@@ -7912,7 +7928,7 @@
           <p:nvPr/>
         </p:nvPicPr>
         <p:blipFill>
-          <a:blip r:embed="rId18"/>
+          <a:blip r:embed="rId17"/>
           <a:stretch>
             <a:fillRect/>
           </a:stretch>
@@ -7942,7 +7958,7 @@
           <p:nvPr/>
         </p:nvPicPr>
         <p:blipFill>
-          <a:blip r:embed="rId19"/>
+          <a:blip r:embed="rId18"/>
           <a:stretch>
             <a:fillRect/>
           </a:stretch>
@@ -7972,7 +7988,7 @@
           <p:nvPr/>
         </p:nvPicPr>
         <p:blipFill>
-          <a:blip r:embed="rId20"/>
+          <a:blip r:embed="rId19"/>
           <a:stretch>
             <a:fillRect/>
           </a:stretch>
@@ -8002,7 +8018,7 @@
           <p:nvPr/>
         </p:nvPicPr>
         <p:blipFill>
-          <a:blip r:embed="rId21"/>
+          <a:blip r:embed="rId20"/>
           <a:stretch>
             <a:fillRect/>
           </a:stretch>
@@ -8032,7 +8048,7 @@
           <p:nvPr/>
         </p:nvPicPr>
         <p:blipFill>
-          <a:blip r:embed="rId22"/>
+          <a:blip r:embed="rId21"/>
           <a:stretch>
             <a:fillRect/>
           </a:stretch>
@@ -8062,7 +8078,7 @@
           <p:nvPr/>
         </p:nvPicPr>
         <p:blipFill>
-          <a:blip r:embed="rId23"/>
+          <a:blip r:embed="rId22"/>
           <a:stretch>
             <a:fillRect/>
           </a:stretch>
@@ -8071,6 +8087,63 @@
           <a:xfrm>
             <a:off x="1350516" y="37957087"/>
             <a:ext cx="4695431" cy="1845790"/>
+          </a:xfrm>
+          <a:prstGeom prst="rect">
+            <a:avLst/>
+          </a:prstGeom>
+        </p:spPr>
+      </p:pic>
+      <p:pic>
+        <p:nvPicPr>
+          <p:cNvPr id="40" name="Imagen 39">
+            <a:extLst>
+              <a:ext uri="{FF2B5EF4-FFF2-40B4-BE49-F238E27FC236}">
+                <a16:creationId xmlns:a16="http://schemas.microsoft.com/office/drawing/2014/main" id="{7A3004AC-8A51-4264-A107-2620E4824B79}"/>
+              </a:ext>
+            </a:extLst>
+          </p:cNvPr>
+          <p:cNvPicPr/>
+          <p:nvPr/>
+        </p:nvPicPr>
+        <p:blipFill rotWithShape="1">
+          <a:blip r:embed="rId23"/>
+          <a:srcRect b="45371"/>
+          <a:stretch/>
+        </p:blipFill>
+        <p:spPr>
+          <a:xfrm>
+            <a:off x="8318500" y="13263808"/>
+            <a:ext cx="13230261" cy="1530610"/>
+          </a:xfrm>
+          <a:prstGeom prst="rect">
+            <a:avLst/>
+          </a:prstGeom>
+        </p:spPr>
+      </p:pic>
+      <p:pic>
+        <p:nvPicPr>
+          <p:cNvPr id="5" name="Imagen 4">
+            <a:extLst>
+              <a:ext uri="{FF2B5EF4-FFF2-40B4-BE49-F238E27FC236}">
+                <a16:creationId xmlns:a16="http://schemas.microsoft.com/office/drawing/2014/main" id="{4FFEA322-7EE4-41C7-8483-EFE09C1C2956}"/>
+              </a:ext>
+            </a:extLst>
+          </p:cNvPr>
+          <p:cNvPicPr>
+            <a:picLocks noChangeAspect="1"/>
+          </p:cNvPicPr>
+          <p:nvPr/>
+        </p:nvPicPr>
+        <p:blipFill>
+          <a:blip r:embed="rId24"/>
+          <a:stretch>
+            <a:fillRect/>
+          </a:stretch>
+        </p:blipFill>
+        <p:spPr>
+          <a:xfrm>
+            <a:off x="18769971" y="15271336"/>
+            <a:ext cx="8038524" cy="5260182"/>
           </a:xfrm>
           <a:prstGeom prst="rect">
             <a:avLst/>
